--- a/BackEnd/JewelleryERDiagram.pptx
+++ b/BackEnd/JewelleryERDiagram.pptx
@@ -104,6 +104,11 @@
       </a:defRPr>
     </a:lvl9pPr>
   </p:defaultTextStyle>
+  <p:extLst>
+    <p:ext uri="{EFAFB233-063F-42B5-8137-9DF3F51BA10A}">
+      <p15:sldGuideLst xmlns:p15="http://schemas.microsoft.com/office/powerpoint/2012/main"/>
+    </p:ext>
+  </p:extLst>
 </p:presentation>
 </file>
 
@@ -149,10 +154,9 @@
           </a:lstStyle>
           <a:p>
             <a:r>
-              <a:rPr lang="en-US" smtClean="0"/>
+              <a:rPr lang="en-US"/>
               <a:t>Click to edit Master title style</a:t>
             </a:r>
-            <a:endParaRPr lang="en-US"/>
           </a:p>
         </p:txBody>
       </p:sp>
@@ -214,10 +218,9 @@
           </a:lstStyle>
           <a:p>
             <a:r>
-              <a:rPr lang="en-US" smtClean="0"/>
+              <a:rPr lang="en-US"/>
               <a:t>Click to edit Master subtitle style</a:t>
             </a:r>
-            <a:endParaRPr lang="en-US"/>
           </a:p>
         </p:txBody>
       </p:sp>
@@ -238,7 +241,7 @@
           <a:p>
             <a:fld id="{E7703AA0-C8CD-435C-8E86-0D00957DE2CE}" type="datetimeFigureOut">
               <a:rPr lang="en-US" smtClean="0"/>
-              <a:t>1/7/2023</a:t>
+              <a:t>3/11/2023</a:t>
             </a:fld>
             <a:endParaRPr lang="en-US"/>
           </a:p>
@@ -332,10 +335,9 @@
           <a:lstStyle/>
           <a:p>
             <a:r>
-              <a:rPr lang="en-US" smtClean="0"/>
+              <a:rPr lang="en-US"/>
               <a:t>Click to edit Master title style</a:t>
             </a:r>
-            <a:endParaRPr lang="en-US"/>
           </a:p>
         </p:txBody>
       </p:sp>
@@ -356,38 +358,37 @@
           <a:p>
             <a:pPr lvl="0"/>
             <a:r>
-              <a:rPr lang="en-US" smtClean="0"/>
+              <a:rPr lang="en-US"/>
               <a:t>Edit Master text styles</a:t>
             </a:r>
           </a:p>
           <a:p>
             <a:pPr lvl="1"/>
             <a:r>
-              <a:rPr lang="en-US" smtClean="0"/>
+              <a:rPr lang="en-US"/>
               <a:t>Second level</a:t>
             </a:r>
           </a:p>
           <a:p>
             <a:pPr lvl="2"/>
             <a:r>
-              <a:rPr lang="en-US" smtClean="0"/>
+              <a:rPr lang="en-US"/>
               <a:t>Third level</a:t>
             </a:r>
           </a:p>
           <a:p>
             <a:pPr lvl="3"/>
             <a:r>
-              <a:rPr lang="en-US" smtClean="0"/>
+              <a:rPr lang="en-US"/>
               <a:t>Fourth level</a:t>
             </a:r>
           </a:p>
           <a:p>
             <a:pPr lvl="4"/>
             <a:r>
-              <a:rPr lang="en-US" smtClean="0"/>
+              <a:rPr lang="en-US"/>
               <a:t>Fifth level</a:t>
             </a:r>
-            <a:endParaRPr lang="en-US"/>
           </a:p>
         </p:txBody>
       </p:sp>
@@ -408,7 +409,7 @@
           <a:p>
             <a:fld id="{E7703AA0-C8CD-435C-8E86-0D00957DE2CE}" type="datetimeFigureOut">
               <a:rPr lang="en-US" smtClean="0"/>
-              <a:t>1/7/2023</a:t>
+              <a:t>3/11/2023</a:t>
             </a:fld>
             <a:endParaRPr lang="en-US"/>
           </a:p>
@@ -507,10 +508,9 @@
           <a:lstStyle/>
           <a:p>
             <a:r>
-              <a:rPr lang="en-US" smtClean="0"/>
+              <a:rPr lang="en-US"/>
               <a:t>Click to edit Master title style</a:t>
             </a:r>
-            <a:endParaRPr lang="en-US"/>
           </a:p>
         </p:txBody>
       </p:sp>
@@ -536,38 +536,37 @@
           <a:p>
             <a:pPr lvl="0"/>
             <a:r>
-              <a:rPr lang="en-US" smtClean="0"/>
+              <a:rPr lang="en-US"/>
               <a:t>Edit Master text styles</a:t>
             </a:r>
           </a:p>
           <a:p>
             <a:pPr lvl="1"/>
             <a:r>
-              <a:rPr lang="en-US" smtClean="0"/>
+              <a:rPr lang="en-US"/>
               <a:t>Second level</a:t>
             </a:r>
           </a:p>
           <a:p>
             <a:pPr lvl="2"/>
             <a:r>
-              <a:rPr lang="en-US" smtClean="0"/>
+              <a:rPr lang="en-US"/>
               <a:t>Third level</a:t>
             </a:r>
           </a:p>
           <a:p>
             <a:pPr lvl="3"/>
             <a:r>
-              <a:rPr lang="en-US" smtClean="0"/>
+              <a:rPr lang="en-US"/>
               <a:t>Fourth level</a:t>
             </a:r>
           </a:p>
           <a:p>
             <a:pPr lvl="4"/>
             <a:r>
-              <a:rPr lang="en-US" smtClean="0"/>
+              <a:rPr lang="en-US"/>
               <a:t>Fifth level</a:t>
             </a:r>
-            <a:endParaRPr lang="en-US"/>
           </a:p>
         </p:txBody>
       </p:sp>
@@ -588,7 +587,7 @@
           <a:p>
             <a:fld id="{E7703AA0-C8CD-435C-8E86-0D00957DE2CE}" type="datetimeFigureOut">
               <a:rPr lang="en-US" smtClean="0"/>
-              <a:t>1/7/2023</a:t>
+              <a:t>3/11/2023</a:t>
             </a:fld>
             <a:endParaRPr lang="en-US"/>
           </a:p>
@@ -682,10 +681,9 @@
           <a:lstStyle/>
           <a:p>
             <a:r>
-              <a:rPr lang="en-US" smtClean="0"/>
+              <a:rPr lang="en-US"/>
               <a:t>Click to edit Master title style</a:t>
             </a:r>
-            <a:endParaRPr lang="en-US"/>
           </a:p>
         </p:txBody>
       </p:sp>
@@ -706,38 +704,37 @@
           <a:p>
             <a:pPr lvl="0"/>
             <a:r>
-              <a:rPr lang="en-US" smtClean="0"/>
+              <a:rPr lang="en-US"/>
               <a:t>Edit Master text styles</a:t>
             </a:r>
           </a:p>
           <a:p>
             <a:pPr lvl="1"/>
             <a:r>
-              <a:rPr lang="en-US" smtClean="0"/>
+              <a:rPr lang="en-US"/>
               <a:t>Second level</a:t>
             </a:r>
           </a:p>
           <a:p>
             <a:pPr lvl="2"/>
             <a:r>
-              <a:rPr lang="en-US" smtClean="0"/>
+              <a:rPr lang="en-US"/>
               <a:t>Third level</a:t>
             </a:r>
           </a:p>
           <a:p>
             <a:pPr lvl="3"/>
             <a:r>
-              <a:rPr lang="en-US" smtClean="0"/>
+              <a:rPr lang="en-US"/>
               <a:t>Fourth level</a:t>
             </a:r>
           </a:p>
           <a:p>
             <a:pPr lvl="4"/>
             <a:r>
-              <a:rPr lang="en-US" smtClean="0"/>
+              <a:rPr lang="en-US"/>
               <a:t>Fifth level</a:t>
             </a:r>
-            <a:endParaRPr lang="en-US"/>
           </a:p>
         </p:txBody>
       </p:sp>
@@ -758,7 +755,7 @@
           <a:p>
             <a:fld id="{E7703AA0-C8CD-435C-8E86-0D00957DE2CE}" type="datetimeFigureOut">
               <a:rPr lang="en-US" smtClean="0"/>
-              <a:t>1/7/2023</a:t>
+              <a:t>3/11/2023</a:t>
             </a:fld>
             <a:endParaRPr lang="en-US"/>
           </a:p>
@@ -861,10 +858,9 @@
           </a:lstStyle>
           <a:p>
             <a:r>
-              <a:rPr lang="en-US" smtClean="0"/>
+              <a:rPr lang="en-US"/>
               <a:t>Click to edit Master title style</a:t>
             </a:r>
-            <a:endParaRPr lang="en-US"/>
           </a:p>
         </p:txBody>
       </p:sp>
@@ -981,7 +977,7 @@
           <a:p>
             <a:pPr lvl="0"/>
             <a:r>
-              <a:rPr lang="en-US" smtClean="0"/>
+              <a:rPr lang="en-US"/>
               <a:t>Edit Master text styles</a:t>
             </a:r>
           </a:p>
@@ -1004,7 +1000,7 @@
           <a:p>
             <a:fld id="{E7703AA0-C8CD-435C-8E86-0D00957DE2CE}" type="datetimeFigureOut">
               <a:rPr lang="en-US" smtClean="0"/>
-              <a:t>1/7/2023</a:t>
+              <a:t>3/11/2023</a:t>
             </a:fld>
             <a:endParaRPr lang="en-US"/>
           </a:p>
@@ -1098,10 +1094,9 @@
           <a:lstStyle/>
           <a:p>
             <a:r>
-              <a:rPr lang="en-US" smtClean="0"/>
+              <a:rPr lang="en-US"/>
               <a:t>Click to edit Master title style</a:t>
             </a:r>
-            <a:endParaRPr lang="en-US"/>
           </a:p>
         </p:txBody>
       </p:sp>
@@ -1127,38 +1122,37 @@
           <a:p>
             <a:pPr lvl="0"/>
             <a:r>
-              <a:rPr lang="en-US" smtClean="0"/>
+              <a:rPr lang="en-US"/>
               <a:t>Edit Master text styles</a:t>
             </a:r>
           </a:p>
           <a:p>
             <a:pPr lvl="1"/>
             <a:r>
-              <a:rPr lang="en-US" smtClean="0"/>
+              <a:rPr lang="en-US"/>
               <a:t>Second level</a:t>
             </a:r>
           </a:p>
           <a:p>
             <a:pPr lvl="2"/>
             <a:r>
-              <a:rPr lang="en-US" smtClean="0"/>
+              <a:rPr lang="en-US"/>
               <a:t>Third level</a:t>
             </a:r>
           </a:p>
           <a:p>
             <a:pPr lvl="3"/>
             <a:r>
-              <a:rPr lang="en-US" smtClean="0"/>
+              <a:rPr lang="en-US"/>
               <a:t>Fourth level</a:t>
             </a:r>
           </a:p>
           <a:p>
             <a:pPr lvl="4"/>
             <a:r>
-              <a:rPr lang="en-US" smtClean="0"/>
+              <a:rPr lang="en-US"/>
               <a:t>Fifth level</a:t>
             </a:r>
-            <a:endParaRPr lang="en-US"/>
           </a:p>
         </p:txBody>
       </p:sp>
@@ -1184,38 +1178,37 @@
           <a:p>
             <a:pPr lvl="0"/>
             <a:r>
-              <a:rPr lang="en-US" smtClean="0"/>
+              <a:rPr lang="en-US"/>
               <a:t>Edit Master text styles</a:t>
             </a:r>
           </a:p>
           <a:p>
             <a:pPr lvl="1"/>
             <a:r>
-              <a:rPr lang="en-US" smtClean="0"/>
+              <a:rPr lang="en-US"/>
               <a:t>Second level</a:t>
             </a:r>
           </a:p>
           <a:p>
             <a:pPr lvl="2"/>
             <a:r>
-              <a:rPr lang="en-US" smtClean="0"/>
+              <a:rPr lang="en-US"/>
               <a:t>Third level</a:t>
             </a:r>
           </a:p>
           <a:p>
             <a:pPr lvl="3"/>
             <a:r>
-              <a:rPr lang="en-US" smtClean="0"/>
+              <a:rPr lang="en-US"/>
               <a:t>Fourth level</a:t>
             </a:r>
           </a:p>
           <a:p>
             <a:pPr lvl="4"/>
             <a:r>
-              <a:rPr lang="en-US" smtClean="0"/>
+              <a:rPr lang="en-US"/>
               <a:t>Fifth level</a:t>
             </a:r>
-            <a:endParaRPr lang="en-US"/>
           </a:p>
         </p:txBody>
       </p:sp>
@@ -1236,7 +1229,7 @@
           <a:p>
             <a:fld id="{E7703AA0-C8CD-435C-8E86-0D00957DE2CE}" type="datetimeFigureOut">
               <a:rPr lang="en-US" smtClean="0"/>
-              <a:t>1/7/2023</a:t>
+              <a:t>3/11/2023</a:t>
             </a:fld>
             <a:endParaRPr lang="en-US"/>
           </a:p>
@@ -1335,10 +1328,9 @@
           <a:lstStyle/>
           <a:p>
             <a:r>
-              <a:rPr lang="en-US" smtClean="0"/>
+              <a:rPr lang="en-US"/>
               <a:t>Click to edit Master title style</a:t>
             </a:r>
-            <a:endParaRPr lang="en-US"/>
           </a:p>
         </p:txBody>
       </p:sp>
@@ -1401,7 +1393,7 @@
           <a:p>
             <a:pPr lvl="0"/>
             <a:r>
-              <a:rPr lang="en-US" smtClean="0"/>
+              <a:rPr lang="en-US"/>
               <a:t>Edit Master text styles</a:t>
             </a:r>
           </a:p>
@@ -1429,38 +1421,37 @@
           <a:p>
             <a:pPr lvl="0"/>
             <a:r>
-              <a:rPr lang="en-US" smtClean="0"/>
+              <a:rPr lang="en-US"/>
               <a:t>Edit Master text styles</a:t>
             </a:r>
           </a:p>
           <a:p>
             <a:pPr lvl="1"/>
             <a:r>
-              <a:rPr lang="en-US" smtClean="0"/>
+              <a:rPr lang="en-US"/>
               <a:t>Second level</a:t>
             </a:r>
           </a:p>
           <a:p>
             <a:pPr lvl="2"/>
             <a:r>
-              <a:rPr lang="en-US" smtClean="0"/>
+              <a:rPr lang="en-US"/>
               <a:t>Third level</a:t>
             </a:r>
           </a:p>
           <a:p>
             <a:pPr lvl="3"/>
             <a:r>
-              <a:rPr lang="en-US" smtClean="0"/>
+              <a:rPr lang="en-US"/>
               <a:t>Fourth level</a:t>
             </a:r>
           </a:p>
           <a:p>
             <a:pPr lvl="4"/>
             <a:r>
-              <a:rPr lang="en-US" smtClean="0"/>
+              <a:rPr lang="en-US"/>
               <a:t>Fifth level</a:t>
             </a:r>
-            <a:endParaRPr lang="en-US"/>
           </a:p>
         </p:txBody>
       </p:sp>
@@ -1523,7 +1514,7 @@
           <a:p>
             <a:pPr lvl="0"/>
             <a:r>
-              <a:rPr lang="en-US" smtClean="0"/>
+              <a:rPr lang="en-US"/>
               <a:t>Edit Master text styles</a:t>
             </a:r>
           </a:p>
@@ -1551,38 +1542,37 @@
           <a:p>
             <a:pPr lvl="0"/>
             <a:r>
-              <a:rPr lang="en-US" smtClean="0"/>
+              <a:rPr lang="en-US"/>
               <a:t>Edit Master text styles</a:t>
             </a:r>
           </a:p>
           <a:p>
             <a:pPr lvl="1"/>
             <a:r>
-              <a:rPr lang="en-US" smtClean="0"/>
+              <a:rPr lang="en-US"/>
               <a:t>Second level</a:t>
             </a:r>
           </a:p>
           <a:p>
             <a:pPr lvl="2"/>
             <a:r>
-              <a:rPr lang="en-US" smtClean="0"/>
+              <a:rPr lang="en-US"/>
               <a:t>Third level</a:t>
             </a:r>
           </a:p>
           <a:p>
             <a:pPr lvl="3"/>
             <a:r>
-              <a:rPr lang="en-US" smtClean="0"/>
+              <a:rPr lang="en-US"/>
               <a:t>Fourth level</a:t>
             </a:r>
           </a:p>
           <a:p>
             <a:pPr lvl="4"/>
             <a:r>
-              <a:rPr lang="en-US" smtClean="0"/>
+              <a:rPr lang="en-US"/>
               <a:t>Fifth level</a:t>
             </a:r>
-            <a:endParaRPr lang="en-US"/>
           </a:p>
         </p:txBody>
       </p:sp>
@@ -1603,7 +1593,7 @@
           <a:p>
             <a:fld id="{E7703AA0-C8CD-435C-8E86-0D00957DE2CE}" type="datetimeFigureOut">
               <a:rPr lang="en-US" smtClean="0"/>
-              <a:t>1/7/2023</a:t>
+              <a:t>3/11/2023</a:t>
             </a:fld>
             <a:endParaRPr lang="en-US"/>
           </a:p>
@@ -1697,10 +1687,9 @@
           <a:lstStyle/>
           <a:p>
             <a:r>
-              <a:rPr lang="en-US" smtClean="0"/>
+              <a:rPr lang="en-US"/>
               <a:t>Click to edit Master title style</a:t>
             </a:r>
-            <a:endParaRPr lang="en-US"/>
           </a:p>
         </p:txBody>
       </p:sp>
@@ -1721,7 +1710,7 @@
           <a:p>
             <a:fld id="{E7703AA0-C8CD-435C-8E86-0D00957DE2CE}" type="datetimeFigureOut">
               <a:rPr lang="en-US" smtClean="0"/>
-              <a:t>1/7/2023</a:t>
+              <a:t>3/11/2023</a:t>
             </a:fld>
             <a:endParaRPr lang="en-US"/>
           </a:p>
@@ -1816,7 +1805,7 @@
           <a:p>
             <a:fld id="{E7703AA0-C8CD-435C-8E86-0D00957DE2CE}" type="datetimeFigureOut">
               <a:rPr lang="en-US" smtClean="0"/>
-              <a:t>1/7/2023</a:t>
+              <a:t>3/11/2023</a:t>
             </a:fld>
             <a:endParaRPr lang="en-US"/>
           </a:p>
@@ -1919,10 +1908,9 @@
           </a:lstStyle>
           <a:p>
             <a:r>
-              <a:rPr lang="en-US" smtClean="0"/>
+              <a:rPr lang="en-US"/>
               <a:t>Click to edit Master title style</a:t>
             </a:r>
-            <a:endParaRPr lang="en-US"/>
           </a:p>
         </p:txBody>
       </p:sp>
@@ -1976,38 +1964,37 @@
           <a:p>
             <a:pPr lvl="0"/>
             <a:r>
-              <a:rPr lang="en-US" smtClean="0"/>
+              <a:rPr lang="en-US"/>
               <a:t>Edit Master text styles</a:t>
             </a:r>
           </a:p>
           <a:p>
             <a:pPr lvl="1"/>
             <a:r>
-              <a:rPr lang="en-US" smtClean="0"/>
+              <a:rPr lang="en-US"/>
               <a:t>Second level</a:t>
             </a:r>
           </a:p>
           <a:p>
             <a:pPr lvl="2"/>
             <a:r>
-              <a:rPr lang="en-US" smtClean="0"/>
+              <a:rPr lang="en-US"/>
               <a:t>Third level</a:t>
             </a:r>
           </a:p>
           <a:p>
             <a:pPr lvl="3"/>
             <a:r>
-              <a:rPr lang="en-US" smtClean="0"/>
+              <a:rPr lang="en-US"/>
               <a:t>Fourth level</a:t>
             </a:r>
           </a:p>
           <a:p>
             <a:pPr lvl="4"/>
             <a:r>
-              <a:rPr lang="en-US" smtClean="0"/>
+              <a:rPr lang="en-US"/>
               <a:t>Fifth level</a:t>
             </a:r>
-            <a:endParaRPr lang="en-US"/>
           </a:p>
         </p:txBody>
       </p:sp>
@@ -2070,7 +2057,7 @@
           <a:p>
             <a:pPr lvl="0"/>
             <a:r>
-              <a:rPr lang="en-US" smtClean="0"/>
+              <a:rPr lang="en-US"/>
               <a:t>Edit Master text styles</a:t>
             </a:r>
           </a:p>
@@ -2093,7 +2080,7 @@
           <a:p>
             <a:fld id="{E7703AA0-C8CD-435C-8E86-0D00957DE2CE}" type="datetimeFigureOut">
               <a:rPr lang="en-US" smtClean="0"/>
-              <a:t>1/7/2023</a:t>
+              <a:t>3/11/2023</a:t>
             </a:fld>
             <a:endParaRPr lang="en-US"/>
           </a:p>
@@ -2196,10 +2183,9 @@
           </a:lstStyle>
           <a:p>
             <a:r>
-              <a:rPr lang="en-US" smtClean="0"/>
+              <a:rPr lang="en-US"/>
               <a:t>Click to edit Master title style</a:t>
             </a:r>
-            <a:endParaRPr lang="en-US"/>
           </a:p>
         </p:txBody>
       </p:sp>
@@ -2323,7 +2309,7 @@
           <a:p>
             <a:pPr lvl="0"/>
             <a:r>
-              <a:rPr lang="en-US" smtClean="0"/>
+              <a:rPr lang="en-US"/>
               <a:t>Edit Master text styles</a:t>
             </a:r>
           </a:p>
@@ -2346,7 +2332,7 @@
           <a:p>
             <a:fld id="{E7703AA0-C8CD-435C-8E86-0D00957DE2CE}" type="datetimeFigureOut">
               <a:rPr lang="en-US" smtClean="0"/>
-              <a:t>1/7/2023</a:t>
+              <a:t>3/11/2023</a:t>
             </a:fld>
             <a:endParaRPr lang="en-US"/>
           </a:p>
@@ -2455,10 +2441,9 @@
           <a:lstStyle/>
           <a:p>
             <a:r>
-              <a:rPr lang="en-US" smtClean="0"/>
+              <a:rPr lang="en-US"/>
               <a:t>Click to edit Master title style</a:t>
             </a:r>
-            <a:endParaRPr lang="en-US"/>
           </a:p>
         </p:txBody>
       </p:sp>
@@ -2489,38 +2474,37 @@
           <a:p>
             <a:pPr lvl="0"/>
             <a:r>
-              <a:rPr lang="en-US" smtClean="0"/>
+              <a:rPr lang="en-US"/>
               <a:t>Edit Master text styles</a:t>
             </a:r>
           </a:p>
           <a:p>
             <a:pPr lvl="1"/>
             <a:r>
-              <a:rPr lang="en-US" smtClean="0"/>
+              <a:rPr lang="en-US"/>
               <a:t>Second level</a:t>
             </a:r>
           </a:p>
           <a:p>
             <a:pPr lvl="2"/>
             <a:r>
-              <a:rPr lang="en-US" smtClean="0"/>
+              <a:rPr lang="en-US"/>
               <a:t>Third level</a:t>
             </a:r>
           </a:p>
           <a:p>
             <a:pPr lvl="3"/>
             <a:r>
-              <a:rPr lang="en-US" smtClean="0"/>
+              <a:rPr lang="en-US"/>
               <a:t>Fourth level</a:t>
             </a:r>
           </a:p>
           <a:p>
             <a:pPr lvl="4"/>
             <a:r>
-              <a:rPr lang="en-US" smtClean="0"/>
+              <a:rPr lang="en-US"/>
               <a:t>Fifth level</a:t>
             </a:r>
-            <a:endParaRPr lang="en-US"/>
           </a:p>
         </p:txBody>
       </p:sp>
@@ -2559,7 +2543,7 @@
           <a:p>
             <a:fld id="{E7703AA0-C8CD-435C-8E86-0D00957DE2CE}" type="datetimeFigureOut">
               <a:rPr lang="en-US" smtClean="0"/>
-              <a:t>1/7/2023</a:t>
+              <a:t>3/11/2023</a:t>
             </a:fld>
             <a:endParaRPr lang="en-US"/>
           </a:p>
@@ -2980,7 +2964,7 @@
         </p:blipFill>
         <p:spPr>
           <a:xfrm>
-            <a:off x="-386667" y="-233874"/>
+            <a:off x="-335868" y="-233874"/>
             <a:ext cx="12965334" cy="7325747"/>
           </a:xfrm>
           <a:prstGeom prst="rect">
@@ -3058,10 +3042,9 @@
           <a:lstStyle/>
           <a:p>
             <a:r>
-              <a:rPr lang="en-US" sz="1200" dirty="0" smtClean="0"/>
+              <a:rPr lang="en-US" sz="1200" dirty="0"/>
               <a:t>require</a:t>
             </a:r>
-            <a:endParaRPr lang="en-US" sz="1200" dirty="0"/>
           </a:p>
         </p:txBody>
       </p:sp>
@@ -3088,40 +3071,9 @@
           <a:lstStyle/>
           <a:p>
             <a:r>
-              <a:rPr lang="en-US" dirty="0" smtClean="0"/>
+              <a:rPr lang="en-US" dirty="0"/>
               <a:t>1</a:t>
             </a:r>
-            <a:endParaRPr lang="en-US" dirty="0"/>
-          </a:p>
-        </p:txBody>
-      </p:sp>
-      <p:sp>
-        <p:nvSpPr>
-          <p:cNvPr id="8" name="TextBox 7"/>
-          <p:cNvSpPr txBox="1"/>
-          <p:nvPr/>
-        </p:nvSpPr>
-        <p:spPr>
-          <a:xfrm>
-            <a:off x="5867400" y="711884"/>
-            <a:ext cx="177800" cy="369332"/>
-          </a:xfrm>
-          <a:prstGeom prst="rect">
-            <a:avLst/>
-          </a:prstGeom>
-          <a:noFill/>
-        </p:spPr>
-        <p:txBody>
-          <a:bodyPr wrap="square" rtlCol="0">
-            <a:spAutoFit/>
-          </a:bodyPr>
-          <a:lstStyle/>
-          <a:p>
-            <a:r>
-              <a:rPr lang="en-US" dirty="0" smtClean="0"/>
-              <a:t>m</a:t>
-            </a:r>
-            <a:endParaRPr lang="en-US" dirty="0"/>
           </a:p>
         </p:txBody>
       </p:sp>
@@ -3195,10 +3147,9 @@
           <a:lstStyle/>
           <a:p>
             <a:r>
-              <a:rPr lang="en-US" sz="1200" dirty="0" smtClean="0"/>
+              <a:rPr lang="en-US" sz="1200" dirty="0"/>
               <a:t>requires</a:t>
             </a:r>
-            <a:endParaRPr lang="en-US" sz="1200" dirty="0"/>
           </a:p>
         </p:txBody>
       </p:sp>
@@ -3272,10 +3223,9 @@
           <a:lstStyle/>
           <a:p>
             <a:r>
-              <a:rPr lang="en-US" sz="1200" dirty="0" smtClean="0"/>
+              <a:rPr lang="en-US" sz="1200" dirty="0"/>
               <a:t>requires</a:t>
             </a:r>
-            <a:endParaRPr lang="en-US" sz="1200" dirty="0"/>
           </a:p>
         </p:txBody>
       </p:sp>
@@ -3349,10 +3299,9 @@
           <a:lstStyle/>
           <a:p>
             <a:r>
-              <a:rPr lang="en-US" sz="1200" dirty="0" smtClean="0"/>
+              <a:rPr lang="en-US" sz="1200" dirty="0"/>
               <a:t>requires</a:t>
             </a:r>
-            <a:endParaRPr lang="en-US" sz="1200" dirty="0"/>
           </a:p>
         </p:txBody>
       </p:sp>
@@ -3364,8 +3313,8 @@
         </p:nvSpPr>
         <p:spPr>
           <a:xfrm rot="19193160">
-            <a:off x="1535682" y="3804029"/>
-            <a:ext cx="765704" cy="725483"/>
+            <a:off x="1488342" y="3674368"/>
+            <a:ext cx="1168185" cy="725483"/>
           </a:xfrm>
           <a:prstGeom prst="diamond">
             <a:avLst/>
@@ -3395,11 +3344,14 @@
           <a:lstStyle/>
           <a:p>
             <a:pPr algn="ctr"/>
-            <a:endParaRPr lang="en-US">
-              <a:solidFill>
-                <a:srgbClr val="FF0000"/>
-              </a:solidFill>
-            </a:endParaRPr>
+            <a:r>
+              <a:rPr lang="en-US" sz="1400" dirty="0">
+                <a:solidFill>
+                  <a:srgbClr val="FF0000"/>
+                </a:solidFill>
+              </a:rPr>
+              <a:t>gives</a:t>
+            </a:r>
           </a:p>
         </p:txBody>
       </p:sp>
@@ -3411,8 +3363,8 @@
         </p:nvSpPr>
         <p:spPr>
           <a:xfrm rot="20503611">
-            <a:off x="7034862" y="3530750"/>
-            <a:ext cx="765704" cy="725483"/>
+            <a:off x="6727829" y="3417243"/>
+            <a:ext cx="1419059" cy="725483"/>
           </a:xfrm>
           <a:prstGeom prst="diamond">
             <a:avLst/>
@@ -3442,12 +3394,31 @@
           <a:lstStyle/>
           <a:p>
             <a:pPr algn="ctr"/>
-            <a:endParaRPr lang="en-US">
+            <a:endParaRPr lang="en-US" sz="1100" dirty="0">
               <a:solidFill>
                 <a:srgbClr val="FF0000"/>
               </a:solidFill>
             </a:endParaRPr>
           </a:p>
+          <a:p>
+            <a:pPr algn="ctr"/>
+            <a:r>
+              <a:rPr lang="en-US" sz="1100" dirty="0">
+                <a:solidFill>
+                  <a:srgbClr val="FF0000"/>
+                </a:solidFill>
+              </a:rPr>
+              <a:t>manages</a:t>
+            </a:r>
+          </a:p>
+          <a:p>
+            <a:pPr algn="ctr"/>
+            <a:endParaRPr lang="en-US" dirty="0">
+              <a:solidFill>
+                <a:srgbClr val="FF0000"/>
+              </a:solidFill>
+            </a:endParaRPr>
+          </a:p>
         </p:txBody>
       </p:sp>
       <p:sp>
@@ -3458,8 +3429,8 @@
         </p:nvSpPr>
         <p:spPr>
           <a:xfrm>
-            <a:off x="10705081" y="3441287"/>
-            <a:ext cx="765704" cy="725483"/>
+            <a:off x="10349480" y="3365499"/>
+            <a:ext cx="1486919" cy="711613"/>
           </a:xfrm>
           <a:prstGeom prst="diamond">
             <a:avLst/>
@@ -3489,12 +3460,31 @@
           <a:lstStyle/>
           <a:p>
             <a:pPr algn="ctr"/>
-            <a:endParaRPr lang="en-US">
+            <a:endParaRPr lang="en-US" sz="1100" dirty="0">
               <a:solidFill>
                 <a:srgbClr val="FF0000"/>
               </a:solidFill>
             </a:endParaRPr>
           </a:p>
+          <a:p>
+            <a:pPr algn="ctr"/>
+            <a:r>
+              <a:rPr lang="en-US" sz="1200" dirty="0">
+                <a:solidFill>
+                  <a:srgbClr val="FF0000"/>
+                </a:solidFill>
+              </a:rPr>
+              <a:t>manages</a:t>
+            </a:r>
+          </a:p>
+          <a:p>
+            <a:pPr algn="ctr"/>
+            <a:endParaRPr lang="en-US" dirty="0">
+              <a:solidFill>
+                <a:srgbClr val="FF0000"/>
+              </a:solidFill>
+            </a:endParaRPr>
+          </a:p>
         </p:txBody>
       </p:sp>
       <p:sp>
@@ -3505,8 +3495,8 @@
         </p:nvSpPr>
         <p:spPr>
           <a:xfrm>
-            <a:off x="5450946" y="4820031"/>
-            <a:ext cx="765704" cy="725483"/>
+            <a:off x="5450945" y="4820031"/>
+            <a:ext cx="957721" cy="725483"/>
           </a:xfrm>
           <a:prstGeom prst="diamond">
             <a:avLst/>
@@ -3536,11 +3526,14 @@
           <a:lstStyle/>
           <a:p>
             <a:pPr algn="ctr"/>
-            <a:endParaRPr lang="en-US">
-              <a:solidFill>
-                <a:srgbClr val="FF0000"/>
-              </a:solidFill>
-            </a:endParaRPr>
+            <a:r>
+              <a:rPr lang="en-US" sz="1400" dirty="0">
+                <a:solidFill>
+                  <a:srgbClr val="FF0000"/>
+                </a:solidFill>
+              </a:rPr>
+              <a:t>has</a:t>
+            </a:r>
           </a:p>
         </p:txBody>
       </p:sp>
@@ -3552,8 +3545,8 @@
         </p:nvSpPr>
         <p:spPr>
           <a:xfrm rot="180000">
-            <a:off x="9014807" y="4839571"/>
-            <a:ext cx="765704" cy="725483"/>
+            <a:off x="8995053" y="4773622"/>
+            <a:ext cx="937777" cy="725483"/>
           </a:xfrm>
           <a:prstGeom prst="diamond">
             <a:avLst/>
@@ -3583,12 +3576,31 @@
           <a:lstStyle/>
           <a:p>
             <a:pPr algn="ctr"/>
-            <a:endParaRPr lang="en-US">
+            <a:endParaRPr lang="en-US" sz="1400" dirty="0">
               <a:solidFill>
                 <a:srgbClr val="FF0000"/>
               </a:solidFill>
             </a:endParaRPr>
           </a:p>
+          <a:p>
+            <a:pPr algn="ctr"/>
+            <a:r>
+              <a:rPr lang="en-US" sz="1400" dirty="0">
+                <a:solidFill>
+                  <a:srgbClr val="FF0000"/>
+                </a:solidFill>
+              </a:rPr>
+              <a:t>has</a:t>
+            </a:r>
+          </a:p>
+          <a:p>
+            <a:pPr algn="ctr"/>
+            <a:endParaRPr lang="en-US" dirty="0">
+              <a:solidFill>
+                <a:srgbClr val="FF0000"/>
+              </a:solidFill>
+            </a:endParaRPr>
+          </a:p>
         </p:txBody>
       </p:sp>
       <p:sp>
@@ -3600,7 +3612,7 @@
         <p:spPr>
           <a:xfrm>
             <a:off x="1925178" y="4820030"/>
-            <a:ext cx="765704" cy="725483"/>
+            <a:ext cx="957722" cy="725483"/>
           </a:xfrm>
           <a:prstGeom prst="diamond">
             <a:avLst/>
@@ -3630,11 +3642,609 @@
           <a:lstStyle/>
           <a:p>
             <a:pPr algn="ctr"/>
-            <a:endParaRPr lang="en-US">
-              <a:solidFill>
-                <a:srgbClr val="FF0000"/>
-              </a:solidFill>
-            </a:endParaRPr>
+            <a:r>
+              <a:rPr lang="en-US" sz="1400" dirty="0">
+                <a:solidFill>
+                  <a:srgbClr val="FF0000"/>
+                </a:solidFill>
+              </a:rPr>
+              <a:t>has</a:t>
+            </a:r>
+          </a:p>
+        </p:txBody>
+      </p:sp>
+      <p:sp>
+        <p:nvSpPr>
+          <p:cNvPr id="21" name="TextBox 20">
+            <a:extLst>
+              <a:ext uri="{FF2B5EF4-FFF2-40B4-BE49-F238E27FC236}">
+                <a16:creationId xmlns:a16="http://schemas.microsoft.com/office/drawing/2014/main" id="{E06FA056-AA06-4714-89CE-DC096739512F}"/>
+              </a:ext>
+            </a:extLst>
+          </p:cNvPr>
+          <p:cNvSpPr txBox="1"/>
+          <p:nvPr/>
+        </p:nvSpPr>
+        <p:spPr>
+          <a:xfrm>
+            <a:off x="6865263" y="988883"/>
+            <a:ext cx="177800" cy="369332"/>
+          </a:xfrm>
+          <a:prstGeom prst="rect">
+            <a:avLst/>
+          </a:prstGeom>
+          <a:noFill/>
+        </p:spPr>
+        <p:txBody>
+          <a:bodyPr wrap="square" rtlCol="0">
+            <a:spAutoFit/>
+          </a:bodyPr>
+          <a:lstStyle/>
+          <a:p>
+            <a:r>
+              <a:rPr lang="en-US" dirty="0"/>
+              <a:t>1</a:t>
+            </a:r>
+          </a:p>
+        </p:txBody>
+      </p:sp>
+      <p:sp>
+        <p:nvSpPr>
+          <p:cNvPr id="22" name="TextBox 21">
+            <a:extLst>
+              <a:ext uri="{FF2B5EF4-FFF2-40B4-BE49-F238E27FC236}">
+                <a16:creationId xmlns:a16="http://schemas.microsoft.com/office/drawing/2014/main" id="{C18AD3DE-EEAF-48D0-BD75-4A02E59B13F9}"/>
+              </a:ext>
+            </a:extLst>
+          </p:cNvPr>
+          <p:cNvSpPr txBox="1"/>
+          <p:nvPr/>
+        </p:nvSpPr>
+        <p:spPr>
+          <a:xfrm>
+            <a:off x="9463941" y="2036518"/>
+            <a:ext cx="177800" cy="369332"/>
+          </a:xfrm>
+          <a:prstGeom prst="rect">
+            <a:avLst/>
+          </a:prstGeom>
+          <a:noFill/>
+        </p:spPr>
+        <p:txBody>
+          <a:bodyPr wrap="square" rtlCol="0">
+            <a:spAutoFit/>
+          </a:bodyPr>
+          <a:lstStyle/>
+          <a:p>
+            <a:r>
+              <a:rPr lang="en-US" dirty="0"/>
+              <a:t>1</a:t>
+            </a:r>
+          </a:p>
+        </p:txBody>
+      </p:sp>
+      <p:sp>
+        <p:nvSpPr>
+          <p:cNvPr id="23" name="TextBox 22">
+            <a:extLst>
+              <a:ext uri="{FF2B5EF4-FFF2-40B4-BE49-F238E27FC236}">
+                <a16:creationId xmlns:a16="http://schemas.microsoft.com/office/drawing/2014/main" id="{75985A20-4BDA-4624-AF7C-9CEEB39E4114}"/>
+              </a:ext>
+            </a:extLst>
+          </p:cNvPr>
+          <p:cNvSpPr txBox="1"/>
+          <p:nvPr/>
+        </p:nvSpPr>
+        <p:spPr>
+          <a:xfrm>
+            <a:off x="5740400" y="772983"/>
+            <a:ext cx="177800" cy="369332"/>
+          </a:xfrm>
+          <a:prstGeom prst="rect">
+            <a:avLst/>
+          </a:prstGeom>
+          <a:noFill/>
+        </p:spPr>
+        <p:txBody>
+          <a:bodyPr wrap="square" rtlCol="0">
+            <a:spAutoFit/>
+          </a:bodyPr>
+          <a:lstStyle/>
+          <a:p>
+            <a:r>
+              <a:rPr lang="en-US" dirty="0"/>
+              <a:t>n</a:t>
+            </a:r>
+          </a:p>
+        </p:txBody>
+      </p:sp>
+      <p:sp>
+        <p:nvSpPr>
+          <p:cNvPr id="24" name="TextBox 23">
+            <a:extLst>
+              <a:ext uri="{FF2B5EF4-FFF2-40B4-BE49-F238E27FC236}">
+                <a16:creationId xmlns:a16="http://schemas.microsoft.com/office/drawing/2014/main" id="{D7EA52E6-36E2-43C8-AABA-D47D948FD6F7}"/>
+              </a:ext>
+            </a:extLst>
+          </p:cNvPr>
+          <p:cNvSpPr txBox="1"/>
+          <p:nvPr/>
+        </p:nvSpPr>
+        <p:spPr>
+          <a:xfrm>
+            <a:off x="11087119" y="4564913"/>
+            <a:ext cx="177800" cy="369332"/>
+          </a:xfrm>
+          <a:prstGeom prst="rect">
+            <a:avLst/>
+          </a:prstGeom>
+          <a:noFill/>
+        </p:spPr>
+        <p:txBody>
+          <a:bodyPr wrap="square" rtlCol="0">
+            <a:spAutoFit/>
+          </a:bodyPr>
+          <a:lstStyle/>
+          <a:p>
+            <a:r>
+              <a:rPr lang="en-US" dirty="0"/>
+              <a:t>1</a:t>
+            </a:r>
+          </a:p>
+        </p:txBody>
+      </p:sp>
+      <p:sp>
+        <p:nvSpPr>
+          <p:cNvPr id="26" name="TextBox 25">
+            <a:extLst>
+              <a:ext uri="{FF2B5EF4-FFF2-40B4-BE49-F238E27FC236}">
+                <a16:creationId xmlns:a16="http://schemas.microsoft.com/office/drawing/2014/main" id="{DC4A8C1E-DD55-4DBB-8EF6-6166F18400E3}"/>
+              </a:ext>
+            </a:extLst>
+          </p:cNvPr>
+          <p:cNvSpPr txBox="1"/>
+          <p:nvPr/>
+        </p:nvSpPr>
+        <p:spPr>
+          <a:xfrm>
+            <a:off x="11036338" y="3059668"/>
+            <a:ext cx="177800" cy="369332"/>
+          </a:xfrm>
+          <a:prstGeom prst="rect">
+            <a:avLst/>
+          </a:prstGeom>
+          <a:noFill/>
+        </p:spPr>
+        <p:txBody>
+          <a:bodyPr wrap="square" rtlCol="0">
+            <a:spAutoFit/>
+          </a:bodyPr>
+          <a:lstStyle/>
+          <a:p>
+            <a:r>
+              <a:rPr lang="en-US" dirty="0"/>
+              <a:t>1</a:t>
+            </a:r>
+          </a:p>
+        </p:txBody>
+      </p:sp>
+      <p:sp>
+        <p:nvSpPr>
+          <p:cNvPr id="27" name="TextBox 26">
+            <a:extLst>
+              <a:ext uri="{FF2B5EF4-FFF2-40B4-BE49-F238E27FC236}">
+                <a16:creationId xmlns:a16="http://schemas.microsoft.com/office/drawing/2014/main" id="{74F0B6A1-42E7-493A-BFDF-7EAC37B69600}"/>
+              </a:ext>
+            </a:extLst>
+          </p:cNvPr>
+          <p:cNvSpPr txBox="1"/>
+          <p:nvPr/>
+        </p:nvSpPr>
+        <p:spPr>
+          <a:xfrm>
+            <a:off x="10239764" y="5066808"/>
+            <a:ext cx="177800" cy="369332"/>
+          </a:xfrm>
+          <a:prstGeom prst="rect">
+            <a:avLst/>
+          </a:prstGeom>
+          <a:noFill/>
+        </p:spPr>
+        <p:txBody>
+          <a:bodyPr wrap="square" rtlCol="0">
+            <a:spAutoFit/>
+          </a:bodyPr>
+          <a:lstStyle/>
+          <a:p>
+            <a:r>
+              <a:rPr lang="en-US" dirty="0"/>
+              <a:t>1</a:t>
+            </a:r>
+          </a:p>
+        </p:txBody>
+      </p:sp>
+      <p:sp>
+        <p:nvSpPr>
+          <p:cNvPr id="33" name="TextBox 32">
+            <a:extLst>
+              <a:ext uri="{FF2B5EF4-FFF2-40B4-BE49-F238E27FC236}">
+                <a16:creationId xmlns:a16="http://schemas.microsoft.com/office/drawing/2014/main" id="{4C8DEE5B-EF3B-4836-BBA6-8E1EA823BD3D}"/>
+              </a:ext>
+            </a:extLst>
+          </p:cNvPr>
+          <p:cNvSpPr txBox="1"/>
+          <p:nvPr/>
+        </p:nvSpPr>
+        <p:spPr>
+          <a:xfrm>
+            <a:off x="6933102" y="5123171"/>
+            <a:ext cx="177800" cy="369332"/>
+          </a:xfrm>
+          <a:prstGeom prst="rect">
+            <a:avLst/>
+          </a:prstGeom>
+          <a:noFill/>
+        </p:spPr>
+        <p:txBody>
+          <a:bodyPr wrap="square" rtlCol="0">
+            <a:spAutoFit/>
+          </a:bodyPr>
+          <a:lstStyle/>
+          <a:p>
+            <a:r>
+              <a:rPr lang="en-US" dirty="0"/>
+              <a:t>1</a:t>
+            </a:r>
+          </a:p>
+        </p:txBody>
+      </p:sp>
+      <p:sp>
+        <p:nvSpPr>
+          <p:cNvPr id="34" name="TextBox 33">
+            <a:extLst>
+              <a:ext uri="{FF2B5EF4-FFF2-40B4-BE49-F238E27FC236}">
+                <a16:creationId xmlns:a16="http://schemas.microsoft.com/office/drawing/2014/main" id="{BD7F33CC-AD27-4E52-B3D8-2667E63FE988}"/>
+              </a:ext>
+            </a:extLst>
+          </p:cNvPr>
+          <p:cNvSpPr txBox="1"/>
+          <p:nvPr/>
+        </p:nvSpPr>
+        <p:spPr>
+          <a:xfrm>
+            <a:off x="8452097" y="5102920"/>
+            <a:ext cx="177800" cy="369332"/>
+          </a:xfrm>
+          <a:prstGeom prst="rect">
+            <a:avLst/>
+          </a:prstGeom>
+          <a:noFill/>
+        </p:spPr>
+        <p:txBody>
+          <a:bodyPr wrap="square" rtlCol="0">
+            <a:spAutoFit/>
+          </a:bodyPr>
+          <a:lstStyle/>
+          <a:p>
+            <a:r>
+              <a:rPr lang="en-US" dirty="0"/>
+              <a:t>n</a:t>
+            </a:r>
+          </a:p>
+        </p:txBody>
+      </p:sp>
+      <p:sp>
+        <p:nvSpPr>
+          <p:cNvPr id="35" name="TextBox 34">
+            <a:extLst>
+              <a:ext uri="{FF2B5EF4-FFF2-40B4-BE49-F238E27FC236}">
+                <a16:creationId xmlns:a16="http://schemas.microsoft.com/office/drawing/2014/main" id="{E51A373B-BC5E-42A9-8579-B832BFD580C8}"/>
+              </a:ext>
+            </a:extLst>
+          </p:cNvPr>
+          <p:cNvSpPr txBox="1"/>
+          <p:nvPr/>
+        </p:nvSpPr>
+        <p:spPr>
+          <a:xfrm>
+            <a:off x="4632300" y="5116112"/>
+            <a:ext cx="177800" cy="369332"/>
+          </a:xfrm>
+          <a:prstGeom prst="rect">
+            <a:avLst/>
+          </a:prstGeom>
+          <a:noFill/>
+        </p:spPr>
+        <p:txBody>
+          <a:bodyPr wrap="square" rtlCol="0">
+            <a:spAutoFit/>
+          </a:bodyPr>
+          <a:lstStyle/>
+          <a:p>
+            <a:r>
+              <a:rPr lang="en-US" dirty="0"/>
+              <a:t>n</a:t>
+            </a:r>
+          </a:p>
+        </p:txBody>
+      </p:sp>
+      <p:sp>
+        <p:nvSpPr>
+          <p:cNvPr id="36" name="TextBox 35">
+            <a:extLst>
+              <a:ext uri="{FF2B5EF4-FFF2-40B4-BE49-F238E27FC236}">
+                <a16:creationId xmlns:a16="http://schemas.microsoft.com/office/drawing/2014/main" id="{8BE2BDC1-A831-40ED-BB95-E6EEB46813B2}"/>
+              </a:ext>
+            </a:extLst>
+          </p:cNvPr>
+          <p:cNvSpPr txBox="1"/>
+          <p:nvPr/>
+        </p:nvSpPr>
+        <p:spPr>
+          <a:xfrm>
+            <a:off x="1458786" y="5123171"/>
+            <a:ext cx="177800" cy="369332"/>
+          </a:xfrm>
+          <a:prstGeom prst="rect">
+            <a:avLst/>
+          </a:prstGeom>
+          <a:noFill/>
+        </p:spPr>
+        <p:txBody>
+          <a:bodyPr wrap="square" rtlCol="0">
+            <a:spAutoFit/>
+          </a:bodyPr>
+          <a:lstStyle/>
+          <a:p>
+            <a:r>
+              <a:rPr lang="en-US" dirty="0"/>
+              <a:t>n</a:t>
+            </a:r>
+          </a:p>
+        </p:txBody>
+      </p:sp>
+      <p:sp>
+        <p:nvSpPr>
+          <p:cNvPr id="37" name="TextBox 36">
+            <a:extLst>
+              <a:ext uri="{FF2B5EF4-FFF2-40B4-BE49-F238E27FC236}">
+                <a16:creationId xmlns:a16="http://schemas.microsoft.com/office/drawing/2014/main" id="{863ECE2F-1152-4647-8858-59F8BFA802F9}"/>
+              </a:ext>
+            </a:extLst>
+          </p:cNvPr>
+          <p:cNvSpPr txBox="1"/>
+          <p:nvPr/>
+        </p:nvSpPr>
+        <p:spPr>
+          <a:xfrm>
+            <a:off x="3211684" y="5136363"/>
+            <a:ext cx="177800" cy="369332"/>
+          </a:xfrm>
+          <a:prstGeom prst="rect">
+            <a:avLst/>
+          </a:prstGeom>
+          <a:noFill/>
+        </p:spPr>
+        <p:txBody>
+          <a:bodyPr wrap="square" rtlCol="0">
+            <a:spAutoFit/>
+          </a:bodyPr>
+          <a:lstStyle/>
+          <a:p>
+            <a:r>
+              <a:rPr lang="en-US" dirty="0"/>
+              <a:t>1</a:t>
+            </a:r>
+          </a:p>
+        </p:txBody>
+      </p:sp>
+      <p:sp>
+        <p:nvSpPr>
+          <p:cNvPr id="38" name="TextBox 37">
+            <a:extLst>
+              <a:ext uri="{FF2B5EF4-FFF2-40B4-BE49-F238E27FC236}">
+                <a16:creationId xmlns:a16="http://schemas.microsoft.com/office/drawing/2014/main" id="{C87BBA99-7463-4996-8898-9663E4E65E63}"/>
+              </a:ext>
+            </a:extLst>
+          </p:cNvPr>
+          <p:cNvSpPr txBox="1"/>
+          <p:nvPr/>
+        </p:nvSpPr>
+        <p:spPr>
+          <a:xfrm>
+            <a:off x="6954163" y="3339135"/>
+            <a:ext cx="177800" cy="369332"/>
+          </a:xfrm>
+          <a:prstGeom prst="rect">
+            <a:avLst/>
+          </a:prstGeom>
+          <a:noFill/>
+        </p:spPr>
+        <p:txBody>
+          <a:bodyPr wrap="square" rtlCol="0">
+            <a:spAutoFit/>
+          </a:bodyPr>
+          <a:lstStyle/>
+          <a:p>
+            <a:r>
+              <a:rPr lang="en-US" dirty="0"/>
+              <a:t>1</a:t>
+            </a:r>
+          </a:p>
+        </p:txBody>
+      </p:sp>
+      <p:sp>
+        <p:nvSpPr>
+          <p:cNvPr id="39" name="TextBox 38">
+            <a:extLst>
+              <a:ext uri="{FF2B5EF4-FFF2-40B4-BE49-F238E27FC236}">
+                <a16:creationId xmlns:a16="http://schemas.microsoft.com/office/drawing/2014/main" id="{514AFA12-7DAC-45B3-A7FE-C90A3BF54775}"/>
+              </a:ext>
+            </a:extLst>
+          </p:cNvPr>
+          <p:cNvSpPr txBox="1"/>
+          <p:nvPr/>
+        </p:nvSpPr>
+        <p:spPr>
+          <a:xfrm>
+            <a:off x="7703361" y="4506193"/>
+            <a:ext cx="177800" cy="369332"/>
+          </a:xfrm>
+          <a:prstGeom prst="rect">
+            <a:avLst/>
+          </a:prstGeom>
+          <a:noFill/>
+        </p:spPr>
+        <p:txBody>
+          <a:bodyPr wrap="square" rtlCol="0">
+            <a:spAutoFit/>
+          </a:bodyPr>
+          <a:lstStyle/>
+          <a:p>
+            <a:r>
+              <a:rPr lang="en-US" dirty="0"/>
+              <a:t>1</a:t>
+            </a:r>
+          </a:p>
+        </p:txBody>
+      </p:sp>
+      <p:sp>
+        <p:nvSpPr>
+          <p:cNvPr id="40" name="TextBox 39">
+            <a:extLst>
+              <a:ext uri="{FF2B5EF4-FFF2-40B4-BE49-F238E27FC236}">
+                <a16:creationId xmlns:a16="http://schemas.microsoft.com/office/drawing/2014/main" id="{6B8295F0-83BC-4E6E-B65C-5151BD433710}"/>
+              </a:ext>
+            </a:extLst>
+          </p:cNvPr>
+          <p:cNvSpPr txBox="1"/>
+          <p:nvPr/>
+        </p:nvSpPr>
+        <p:spPr>
+          <a:xfrm>
+            <a:off x="2800774" y="3338179"/>
+            <a:ext cx="177800" cy="369332"/>
+          </a:xfrm>
+          <a:prstGeom prst="rect">
+            <a:avLst/>
+          </a:prstGeom>
+          <a:noFill/>
+        </p:spPr>
+        <p:txBody>
+          <a:bodyPr wrap="square" rtlCol="0">
+            <a:spAutoFit/>
+          </a:bodyPr>
+          <a:lstStyle/>
+          <a:p>
+            <a:r>
+              <a:rPr lang="en-US" dirty="0"/>
+              <a:t>1</a:t>
+            </a:r>
+          </a:p>
+        </p:txBody>
+      </p:sp>
+      <p:sp>
+        <p:nvSpPr>
+          <p:cNvPr id="41" name="TextBox 40">
+            <a:extLst>
+              <a:ext uri="{FF2B5EF4-FFF2-40B4-BE49-F238E27FC236}">
+                <a16:creationId xmlns:a16="http://schemas.microsoft.com/office/drawing/2014/main" id="{EB9895F4-905C-4103-844E-293A8EB49497}"/>
+              </a:ext>
+            </a:extLst>
+          </p:cNvPr>
+          <p:cNvSpPr txBox="1"/>
+          <p:nvPr/>
+        </p:nvSpPr>
+        <p:spPr>
+          <a:xfrm>
+            <a:off x="3389484" y="2685949"/>
+            <a:ext cx="177800" cy="369332"/>
+          </a:xfrm>
+          <a:prstGeom prst="rect">
+            <a:avLst/>
+          </a:prstGeom>
+          <a:noFill/>
+        </p:spPr>
+        <p:txBody>
+          <a:bodyPr wrap="square" rtlCol="0">
+            <a:spAutoFit/>
+          </a:bodyPr>
+          <a:lstStyle/>
+          <a:p>
+            <a:r>
+              <a:rPr lang="en-US" dirty="0"/>
+              <a:t>1</a:t>
+            </a:r>
+          </a:p>
+        </p:txBody>
+      </p:sp>
+      <p:sp>
+        <p:nvSpPr>
+          <p:cNvPr id="42" name="TextBox 41">
+            <a:extLst>
+              <a:ext uri="{FF2B5EF4-FFF2-40B4-BE49-F238E27FC236}">
+                <a16:creationId xmlns:a16="http://schemas.microsoft.com/office/drawing/2014/main" id="{C8B87F84-4765-4FF1-A098-BB3E3243C64B}"/>
+              </a:ext>
+            </a:extLst>
+          </p:cNvPr>
+          <p:cNvSpPr txBox="1"/>
+          <p:nvPr/>
+        </p:nvSpPr>
+        <p:spPr>
+          <a:xfrm>
+            <a:off x="6027589" y="1079864"/>
+            <a:ext cx="177800" cy="369332"/>
+          </a:xfrm>
+          <a:prstGeom prst="rect">
+            <a:avLst/>
+          </a:prstGeom>
+          <a:noFill/>
+        </p:spPr>
+        <p:txBody>
+          <a:bodyPr wrap="square" rtlCol="0">
+            <a:spAutoFit/>
+          </a:bodyPr>
+          <a:lstStyle/>
+          <a:p>
+            <a:r>
+              <a:rPr lang="en-US" dirty="0"/>
+              <a:t>1</a:t>
+            </a:r>
+          </a:p>
+        </p:txBody>
+      </p:sp>
+      <p:sp>
+        <p:nvSpPr>
+          <p:cNvPr id="44" name="TextBox 43">
+            <a:extLst>
+              <a:ext uri="{FF2B5EF4-FFF2-40B4-BE49-F238E27FC236}">
+                <a16:creationId xmlns:a16="http://schemas.microsoft.com/office/drawing/2014/main" id="{77EDE90E-80F6-4D60-9343-B64F4D09A752}"/>
+              </a:ext>
+            </a:extLst>
+          </p:cNvPr>
+          <p:cNvSpPr txBox="1"/>
+          <p:nvPr/>
+        </p:nvSpPr>
+        <p:spPr>
+          <a:xfrm>
+            <a:off x="1079201" y="4732852"/>
+            <a:ext cx="177800" cy="369332"/>
+          </a:xfrm>
+          <a:prstGeom prst="rect">
+            <a:avLst/>
+          </a:prstGeom>
+          <a:noFill/>
+        </p:spPr>
+        <p:txBody>
+          <a:bodyPr wrap="square" rtlCol="0">
+            <a:spAutoFit/>
+          </a:bodyPr>
+          <a:lstStyle/>
+          <a:p>
+            <a:r>
+              <a:rPr lang="en-US" dirty="0"/>
+              <a:t>n</a:t>
+            </a:r>
           </a:p>
         </p:txBody>
       </p:sp>
